--- a/FinalPresentationAndWriteUp/csproject.pptx
+++ b/FinalPresentationAndWriteUp/csproject.pptx
@@ -2810,7 +2810,7 @@
             <a:fld id="{0158C5BC-9A70-462C-B28D-9600239EAC64}" type="datetimeFigureOut">
               <a:rPr lang="en-US" smtClean="0"/>
               <a:pPr/>
-              <a:t>3/9/2015</a:t>
+              <a:t>3/15/2015</a:t>
             </a:fld>
             <a:endParaRPr lang="en-US" dirty="0"/>
           </a:p>
@@ -2977,7 +2977,7 @@
             <a:fld id="{E6CC2317-6751-4CD4-9995-8782DD78E936}" type="datetimeFigureOut">
               <a:rPr lang="en-US" smtClean="0"/>
               <a:pPr/>
-              <a:t>3/9/2015</a:t>
+              <a:t>3/15/2015</a:t>
             </a:fld>
             <a:endParaRPr lang="en-US" dirty="0"/>
           </a:p>
@@ -28510,19 +28510,23 @@
           <a:p>
             <a:r>
               <a:rPr lang="en-US" sz="3200" dirty="0" smtClean="0"/>
-              <a:t>We identified recursive feature partitioning as a means of studying the correlation between the text in a course’s syllabi and the course’s median grade. We see that, with an appropriate feature set, syllabi text </a:t>
-            </a:r>
-            <a:r>
-              <a:rPr lang="en-US" sz="3200" smtClean="0"/>
-              <a:t>indeed </a:t>
-            </a:r>
-            <a:r>
-              <a:rPr lang="en-US" sz="3200" smtClean="0"/>
-              <a:t>somewhat correlates </a:t>
+              <a:t>We identified recursive feature partitioning as a means of studying the correlation between the text in a course’s </a:t>
             </a:r>
             <a:r>
               <a:rPr lang="en-US" sz="3200" dirty="0" smtClean="0"/>
-              <a:t>to course grade distributions. This shed’s light on how interesting a large scale study could be.</a:t>
+              <a:t>syllabus </a:t>
+            </a:r>
+            <a:r>
+              <a:rPr lang="en-US" sz="3200" dirty="0" smtClean="0"/>
+              <a:t>and the course’s median grade. We see that, with an appropriate feature set, syllabi text indeed somewhat correlates to course grade distributions. This </a:t>
+            </a:r>
+            <a:r>
+              <a:rPr lang="en-US" sz="3200" dirty="0" smtClean="0"/>
+              <a:t>sheds </a:t>
+            </a:r>
+            <a:r>
+              <a:rPr lang="en-US" sz="3200" dirty="0" smtClean="0"/>
+              <a:t>light on how interesting a large scale study could be.</a:t>
             </a:r>
           </a:p>
         </p:txBody>
@@ -29495,7 +29499,7 @@
         <p:spPr>
           <a:xfrm>
             <a:off x="15430500" y="20070803"/>
-            <a:ext cx="13215938" cy="11601409"/>
+            <a:ext cx="13046075" cy="11601409"/>
           </a:xfrm>
         </p:spPr>
       </p:pic>
